--- a/BayesianOptimization.pptx
+++ b/BayesianOptimization.pptx
@@ -2972,7 +2972,7 @@
       </p:grpSpPr>
       <p:pic>
         <p:nvPicPr>
-          <p:cNvPr id="40" name="dv1989002_2917x1947.jpeg"/>
+          <p:cNvPr id="40" name="bayes.jpg"/>
           <p:cNvPicPr/>
           <p:nvPr/>
         </p:nvPicPr>
@@ -2980,7 +2980,7 @@
           <a:blip r:embed="rId2">
             <a:extLst/>
           </a:blip>
-          <a:srcRect l="0" t="328" r="0" b="1363"/>
+          <a:srcRect l="154" t="271" r="154" b="9391"/>
           <a:stretch>
             <a:fillRect/>
           </a:stretch>
@@ -3413,7 +3413,7 @@
                   <a:srgbClr val="747474"/>
                 </a:solidFill>
               </a:rPr>
-              <a:t>Converges faster than grid search</a:t>
+              <a:t>Typically you get better results compared to grid search</a:t>
             </a:r>
             <a:endParaRPr sz="3600">
               <a:solidFill>
